--- a/presentations/14 - TDD - Roadmap Implementacao.pptx
+++ b/presentations/14 - TDD - Roadmap Implementacao.pptx
@@ -229,7 +229,7 @@
             <a:fld id="{9DEF996C-CA2C-436E-A903-7F2E7C68ADF8}" type="datetimeFigureOut">
               <a:rPr lang="en-US" smtClean="0"/>
               <a:pPr/>
-              <a:t>7/7/2020</a:t>
+              <a:t>7/20/2020</a:t>
             </a:fld>
             <a:endParaRPr lang="en-US"/>
           </a:p>
@@ -396,7 +396,7 @@
             <a:fld id="{56D6514A-F4CA-40F5-B508-6CC5FEA6DD64}" type="datetimeFigureOut">
               <a:rPr lang="en-US" smtClean="0"/>
               <a:pPr/>
-              <a:t>7/7/2020</a:t>
+              <a:t>7/20/2020</a:t>
             </a:fld>
             <a:endParaRPr lang="en-US"/>
           </a:p>
@@ -856,7 +856,7 @@
           <a:p>
             <a:fld id="{0A0255A0-EE2B-6E49-A611-C16850102233}" type="datetimeFigureOut">
               <a:rPr lang="en-US" smtClean="0"/>
-              <a:t>7/7/2020</a:t>
+              <a:t>7/20/2020</a:t>
             </a:fld>
             <a:endParaRPr lang="en-US"/>
           </a:p>
@@ -1050,7 +1050,7 @@
           <a:p>
             <a:fld id="{0A0255A0-EE2B-6E49-A611-C16850102233}" type="datetimeFigureOut">
               <a:rPr lang="en-US" smtClean="0"/>
-              <a:t>7/7/2020</a:t>
+              <a:t>7/20/2020</a:t>
             </a:fld>
             <a:endParaRPr lang="en-US"/>
           </a:p>
@@ -1254,7 +1254,7 @@
           <a:p>
             <a:fld id="{0A0255A0-EE2B-6E49-A611-C16850102233}" type="datetimeFigureOut">
               <a:rPr lang="en-US" smtClean="0"/>
-              <a:t>7/7/2020</a:t>
+              <a:t>7/20/2020</a:t>
             </a:fld>
             <a:endParaRPr lang="en-US"/>
           </a:p>
@@ -3260,7 +3260,7 @@
           <a:p>
             <a:fld id="{0A0255A0-EE2B-6E49-A611-C16850102233}" type="datetimeFigureOut">
               <a:rPr lang="en-US" smtClean="0"/>
-              <a:t>7/7/2020</a:t>
+              <a:t>7/20/2020</a:t>
             </a:fld>
             <a:endParaRPr lang="en-US"/>
           </a:p>
@@ -3530,7 +3530,7 @@
           <a:p>
             <a:fld id="{0A0255A0-EE2B-6E49-A611-C16850102233}" type="datetimeFigureOut">
               <a:rPr lang="en-US" smtClean="0"/>
-              <a:t>7/7/2020</a:t>
+              <a:t>7/20/2020</a:t>
             </a:fld>
             <a:endParaRPr lang="en-US"/>
           </a:p>
@@ -3842,7 +3842,7 @@
           <a:p>
             <a:fld id="{0A0255A0-EE2B-6E49-A611-C16850102233}" type="datetimeFigureOut">
               <a:rPr lang="en-US" smtClean="0"/>
-              <a:t>7/7/2020</a:t>
+              <a:t>7/20/2020</a:t>
             </a:fld>
             <a:endParaRPr lang="en-US"/>
           </a:p>
@@ -4288,7 +4288,7 @@
           <a:p>
             <a:fld id="{0A0255A0-EE2B-6E49-A611-C16850102233}" type="datetimeFigureOut">
               <a:rPr lang="en-US" smtClean="0"/>
-              <a:t>7/7/2020</a:t>
+              <a:t>7/20/2020</a:t>
             </a:fld>
             <a:endParaRPr lang="en-US"/>
           </a:p>
@@ -4430,7 +4430,7 @@
           <a:p>
             <a:fld id="{0A0255A0-EE2B-6E49-A611-C16850102233}" type="datetimeFigureOut">
               <a:rPr lang="en-US" smtClean="0"/>
-              <a:t>7/7/2020</a:t>
+              <a:t>7/20/2020</a:t>
             </a:fld>
             <a:endParaRPr lang="en-US"/>
           </a:p>
@@ -4549,7 +4549,7 @@
           <a:p>
             <a:fld id="{0A0255A0-EE2B-6E49-A611-C16850102233}" type="datetimeFigureOut">
               <a:rPr lang="en-US" smtClean="0"/>
-              <a:t>7/7/2020</a:t>
+              <a:t>7/20/2020</a:t>
             </a:fld>
             <a:endParaRPr lang="en-US"/>
           </a:p>
@@ -4850,7 +4850,7 @@
           <a:p>
             <a:fld id="{0A0255A0-EE2B-6E49-A611-C16850102233}" type="datetimeFigureOut">
               <a:rPr lang="en-US" smtClean="0"/>
-              <a:t>7/7/2020</a:t>
+              <a:t>7/20/2020</a:t>
             </a:fld>
             <a:endParaRPr lang="en-US"/>
           </a:p>
@@ -5127,7 +5127,7 @@
           <a:p>
             <a:fld id="{0A0255A0-EE2B-6E49-A611-C16850102233}" type="datetimeFigureOut">
               <a:rPr lang="en-US" smtClean="0"/>
-              <a:t>7/7/2020</a:t>
+              <a:t>7/20/2020</a:t>
             </a:fld>
             <a:endParaRPr lang="en-US"/>
           </a:p>
@@ -7811,7 +7811,7 @@
           <p:nvPr>
             <p:extLst>
               <p:ext uri="{D42A27DB-BD31-4B8C-83A1-F6EECF244321}">
-                <p14:modId xmlns:p14="http://schemas.microsoft.com/office/powerpoint/2010/main" val="2088791943"/>
+                <p14:modId xmlns:p14="http://schemas.microsoft.com/office/powerpoint/2010/main" val="2869561898"/>
               </p:ext>
             </p:extLst>
           </p:nvPr>
@@ -7891,9 +7891,72 @@
                     <a:bodyPr/>
                     <a:lstStyle/>
                     <a:p>
+                      <a:pPr marL="0" marR="0" lvl="0" indent="0" algn="l" defTabSz="457200" rtl="0" eaLnBrk="1" fontAlgn="auto" latinLnBrk="0" hangingPunct="1">
+                        <a:lnSpc>
+                          <a:spcPct val="100000"/>
+                        </a:lnSpc>
+                        <a:spcBef>
+                          <a:spcPts val="0"/>
+                        </a:spcBef>
+                        <a:spcAft>
+                          <a:spcPts val="0"/>
+                        </a:spcAft>
+                        <a:buClrTx/>
+                        <a:buSzTx/>
+                        <a:buFontTx/>
+                        <a:buNone/>
+                        <a:tabLst/>
+                        <a:defRPr/>
+                      </a:pPr>
+                      <a:r>
+                        <a:rPr lang="pt-BR" sz="1300" kern="1200">
+                          <a:solidFill>
+                            <a:schemeClr val="dk1"/>
+                          </a:solidFill>
+                          <a:latin typeface="+mn-lt"/>
+                          <a:ea typeface="+mn-ea"/>
+                          <a:cs typeface="+mn-cs"/>
+                          <a:hlinkClick r:id="rId2">
+                            <a:extLst>
+                              <a:ext uri="{A12FA001-AC4F-418D-AE19-62706E023703}">
+                                <ahyp:hlinkClr xmlns:ahyp="http://schemas.microsoft.com/office/drawing/2018/hyperlinkcolor" val="tx"/>
+                              </a:ext>
+                            </a:extLst>
+                          </a:hlinkClick>
+                        </a:rPr>
+                        <a:t>https://refactoring.com/</a:t>
+                      </a:r>
+                      <a:endParaRPr lang="pt-BR" sz="1300" kern="1200">
+                        <a:solidFill>
+                          <a:schemeClr val="dk1"/>
+                        </a:solidFill>
+                        <a:latin typeface="+mn-lt"/>
+                        <a:ea typeface="+mn-ea"/>
+                        <a:cs typeface="+mn-cs"/>
+                        <a:hlinkClick r:id="rId3">
+                          <a:extLst>
+                            <a:ext uri="{A12FA001-AC4F-418D-AE19-62706E023703}">
+                              <ahyp:hlinkClr xmlns:ahyp="http://schemas.microsoft.com/office/drawing/2018/hyperlinkcolor" val="tx"/>
+                            </a:ext>
+                          </a:extLst>
+                        </a:hlinkClick>
+                      </a:endParaRPr>
+                    </a:p>
+                    <a:p>
+                      <a:endParaRPr lang="pt-BR" sz="1300" kern="1200" dirty="0">
+                        <a:hlinkClick r:id="rId4">
+                          <a:extLst>
+                            <a:ext uri="{A12FA001-AC4F-418D-AE19-62706E023703}">
+                              <ahyp:hlinkClr xmlns:ahyp="http://schemas.microsoft.com/office/drawing/2018/hyperlinkcolor" val="tx"/>
+                            </a:ext>
+                          </a:extLst>
+                        </a:hlinkClick>
+                      </a:endParaRPr>
+                    </a:p>
+                    <a:p>
                       <a:r>
                         <a:rPr lang="pt-BR" sz="1300" kern="1200" dirty="0">
-                          <a:hlinkClick r:id="rId2">
+                          <a:hlinkClick r:id="rId4">
                             <a:extLst>
                               <a:ext uri="{A12FA001-AC4F-418D-AE19-62706E023703}">
                                 <ahyp:hlinkClr xmlns:ahyp="http://schemas.microsoft.com/office/drawing/2018/hyperlinkcolor" val="tx"/>
@@ -7911,7 +7974,7 @@
                     <a:p>
                       <a:r>
                         <a:rPr lang="pt-BR" sz="1300" kern="1200" dirty="0">
-                          <a:hlinkClick r:id="rId3">
+                          <a:hlinkClick r:id="rId5">
                             <a:extLst>
                               <a:ext uri="{A12FA001-AC4F-418D-AE19-62706E023703}">
                                 <ahyp:hlinkClr xmlns:ahyp="http://schemas.microsoft.com/office/drawing/2018/hyperlinkcolor" val="tx"/>
@@ -7929,7 +7992,7 @@
                     <a:p>
                       <a:r>
                         <a:rPr lang="pt-BR" sz="1300" kern="1200" dirty="0">
-                          <a:hlinkClick r:id="rId4">
+                          <a:hlinkClick r:id="rId6">
                             <a:extLst>
                               <a:ext uri="{A12FA001-AC4F-418D-AE19-62706E023703}">
                                 <ahyp:hlinkClr xmlns:ahyp="http://schemas.microsoft.com/office/drawing/2018/hyperlinkcolor" val="tx"/>
@@ -7947,7 +8010,7 @@
                     <a:p>
                       <a:r>
                         <a:rPr lang="pt-BR" sz="1300" kern="1200" dirty="0">
-                          <a:hlinkClick r:id="rId5">
+                          <a:hlinkClick r:id="rId7">
                             <a:extLst>
                               <a:ext uri="{A12FA001-AC4F-418D-AE19-62706E023703}">
                                 <ahyp:hlinkClr xmlns:ahyp="http://schemas.microsoft.com/office/drawing/2018/hyperlinkcolor" val="tx"/>
@@ -7965,7 +8028,7 @@
                     <a:p>
                       <a:r>
                         <a:rPr lang="pt-BR" sz="1300" kern="1200" dirty="0">
-                          <a:hlinkClick r:id="rId6">
+                          <a:hlinkClick r:id="rId8">
                             <a:extLst>
                               <a:ext uri="{A12FA001-AC4F-418D-AE19-62706E023703}">
                                 <ahyp:hlinkClr xmlns:ahyp="http://schemas.microsoft.com/office/drawing/2018/hyperlinkcolor" val="tx"/>
@@ -8038,7 +8101,7 @@
           <p:nvPr/>
         </p:nvPicPr>
         <p:blipFill>
-          <a:blip r:embed="rId7">
+          <a:blip r:embed="rId9">
             <a:extLst>
               <a:ext uri="{28A0092B-C50C-407E-A947-70E740481C1C}">
                 <a14:useLocalDpi xmlns:a14="http://schemas.microsoft.com/office/drawing/2010/main" val="0"/>
@@ -8146,37 +8209,28 @@
               </a:rPr>
             </a:br>
             <a:br>
-              <a:rPr lang="pt-BR" dirty="0">
+              <a:rPr lang="pt-BR">
                 <a:latin typeface="Segoe UI" panose="020B0502040204020203" pitchFamily="34" charset="0"/>
                 <a:cs typeface="Segoe UI" panose="020B0502040204020203" pitchFamily="34" charset="0"/>
               </a:rPr>
             </a:br>
             <a:r>
-              <a:rPr lang="pt-BR" sz="2000" dirty="0">
+              <a:rPr lang="pt-BR" sz="2000">
                 <a:solidFill>
                   <a:schemeClr val="accent1"/>
                 </a:solidFill>
                 <a:latin typeface="Segoe UI" panose="020B0502040204020203" pitchFamily="34" charset="0"/>
                 <a:cs typeface="Segoe UI" panose="020B0502040204020203" pitchFamily="34" charset="0"/>
               </a:rPr>
-              <a:t>prestador-paulo.kolbe@b3.com.br/</a:t>
-            </a:r>
-            <a:br>
-              <a:rPr lang="pt-BR" sz="2000" dirty="0">
-                <a:latin typeface="Segoe UI" panose="020B0502040204020203" pitchFamily="34" charset="0"/>
-                <a:cs typeface="Segoe UI" panose="020B0502040204020203" pitchFamily="34" charset="0"/>
-              </a:rPr>
-            </a:br>
-            <a:r>
-              <a:rPr lang="pt-BR" sz="2000" dirty="0">
-                <a:solidFill>
-                  <a:schemeClr val="accent1"/>
-                </a:solidFill>
-                <a:latin typeface="Segoe UI" panose="020B0502040204020203" pitchFamily="34" charset="0"/>
-                <a:cs typeface="Segoe UI" panose="020B0502040204020203" pitchFamily="34" charset="0"/>
-              </a:rPr>
-              <a:t>paulo.kolbe@gft.com</a:t>
-            </a:r>
+              <a:t>lace@b3.com.br</a:t>
+            </a:r>
+            <a:endParaRPr lang="pt-BR" sz="2000" dirty="0">
+              <a:solidFill>
+                <a:schemeClr val="accent1"/>
+              </a:solidFill>
+              <a:latin typeface="Segoe UI" panose="020B0502040204020203" pitchFamily="34" charset="0"/>
+              <a:cs typeface="Segoe UI" panose="020B0502040204020203" pitchFamily="34" charset="0"/>
+            </a:endParaRPr>
           </a:p>
         </p:txBody>
       </p:sp>
@@ -9167,6 +9221,15 @@
 </file>
 
 <file path=customXml/item1.xml><?xml version="1.0" encoding="utf-8"?>
+<p:properties xmlns:p="http://schemas.microsoft.com/office/2006/metadata/properties" xmlns:xsi="http://www.w3.org/2001/XMLSchema-instance" xmlns:pc="http://schemas.microsoft.com/office/infopath/2007/PartnerControls">
+  <documentManagement>
+    <PublishingExpirationDate xmlns="http://schemas.microsoft.com/sharepoint/v3" xsi:nil="true"/>
+    <PublishingStartDate xmlns="http://schemas.microsoft.com/sharepoint/v3" xsi:nil="true"/>
+  </documentManagement>
+</p:properties>
+</file>
+
+<file path=customXml/item2.xml><?xml version="1.0" encoding="utf-8"?>
 <?mso-contentType ?>
 <FormTemplates xmlns="http://schemas.microsoft.com/sharepoint/v3/contenttype/forms">
   <Display>DocumentLibraryForm</Display>
@@ -9175,7 +9238,7 @@
 </FormTemplates>
 </file>
 
-<file path=customXml/item2.xml><?xml version="1.0" encoding="utf-8"?>
+<file path=customXml/item3.xml><?xml version="1.0" encoding="utf-8"?>
 <ct:contentTypeSchema xmlns:ct="http://schemas.microsoft.com/office/2006/metadata/contentType" xmlns:ma="http://schemas.microsoft.com/office/2006/metadata/properties/metaAttributes" ct:_="" ma:_="" ma:contentTypeName="Documento" ma:contentTypeID="0x0101001996EFEF7D0459479C2B077F9CC506F4" ma:contentTypeVersion="10" ma:contentTypeDescription="Crie um novo documento." ma:contentTypeScope="" ma:versionID="43cd10b64f265b7dd32059be640333a9">
   <xsd:schema xmlns:xsd="http://www.w3.org/2001/XMLSchema" xmlns:xs="http://www.w3.org/2001/XMLSchema" xmlns:p="http://schemas.microsoft.com/office/2006/metadata/properties" xmlns:ns1="http://schemas.microsoft.com/sharepoint/v3" xmlns:ns2="80facd6c-f04a-426f-adbd-b3840a7840bd" xmlns:ns3="d33496c5-bd94-446e-a363-fca1fec0d15a" targetNamespace="http://schemas.microsoft.com/office/2006/metadata/properties" ma:root="true" ma:fieldsID="0d6b128c5ce9545d0d2912f9a975af95" ns1:_="" ns2:_="" ns3:_="">
     <xsd:import namespace="http://schemas.microsoft.com/sharepoint/v3"/>
@@ -9389,16 +9452,17 @@
 </ct:contentTypeSchema>
 </file>
 
-<file path=customXml/item3.xml><?xml version="1.0" encoding="utf-8"?>
-<p:properties xmlns:p="http://schemas.microsoft.com/office/2006/metadata/properties" xmlns:xsi="http://www.w3.org/2001/XMLSchema-instance" xmlns:pc="http://schemas.microsoft.com/office/infopath/2007/PartnerControls">
-  <documentManagement>
-    <PublishingExpirationDate xmlns="http://schemas.microsoft.com/sharepoint/v3" xsi:nil="true"/>
-    <PublishingStartDate xmlns="http://schemas.microsoft.com/sharepoint/v3" xsi:nil="true"/>
-  </documentManagement>
-</p:properties>
+<file path=customXml/itemProps1.xml><?xml version="1.0" encoding="utf-8"?>
+<ds:datastoreItem xmlns:ds="http://schemas.openxmlformats.org/officeDocument/2006/customXml" ds:itemID="{BEF3FD83-2601-46A9-AA9B-655B326F1C5E}">
+  <ds:schemaRefs>
+    <ds:schemaRef ds:uri="http://schemas.microsoft.com/office/2006/metadata/properties"/>
+    <ds:schemaRef ds:uri="http://schemas.microsoft.com/office/infopath/2007/PartnerControls"/>
+    <ds:schemaRef ds:uri="http://schemas.microsoft.com/sharepoint/v3"/>
+  </ds:schemaRefs>
+</ds:datastoreItem>
 </file>
 
-<file path=customXml/itemProps1.xml><?xml version="1.0" encoding="utf-8"?>
+<file path=customXml/itemProps2.xml><?xml version="1.0" encoding="utf-8"?>
 <ds:datastoreItem xmlns:ds="http://schemas.openxmlformats.org/officeDocument/2006/customXml" ds:itemID="{98DACE87-CD74-4C35-ADF8-12B4276F2F66}">
   <ds:schemaRefs>
     <ds:schemaRef ds:uri="http://schemas.microsoft.com/sharepoint/v3/contenttype/forms"/>
@@ -9406,7 +9470,7 @@
 </ds:datastoreItem>
 </file>
 
-<file path=customXml/itemProps2.xml><?xml version="1.0" encoding="utf-8"?>
+<file path=customXml/itemProps3.xml><?xml version="1.0" encoding="utf-8"?>
 <ds:datastoreItem xmlns:ds="http://schemas.openxmlformats.org/officeDocument/2006/customXml" ds:itemID="{AB30B8D0-9C02-4061-951A-8B7B3A86F5B0}">
   <ds:schemaRefs>
     <ds:schemaRef ds:uri="http://schemas.microsoft.com/office/2006/metadata/contentType"/>
@@ -9424,14 +9488,4 @@
     <ds:schemaRef ds:uri="http://schemas.microsoft.com/internal/obd"/>
   </ds:schemaRefs>
 </ds:datastoreItem>
-</file>
-
-<file path=customXml/itemProps3.xml><?xml version="1.0" encoding="utf-8"?>
-<ds:datastoreItem xmlns:ds="http://schemas.openxmlformats.org/officeDocument/2006/customXml" ds:itemID="{BEF3FD83-2601-46A9-AA9B-655B326F1C5E}">
-  <ds:schemaRefs>
-    <ds:schemaRef ds:uri="http://schemas.microsoft.com/office/2006/metadata/properties"/>
-    <ds:schemaRef ds:uri="http://schemas.microsoft.com/office/infopath/2007/PartnerControls"/>
-    <ds:schemaRef ds:uri="http://schemas.microsoft.com/sharepoint/v3"/>
-  </ds:schemaRefs>
-</ds:datastoreItem>
 </file>